--- a/Chapter2/Figures/Fig12.pptx
+++ b/Chapter2/Figures/Fig12.pptx
@@ -288,7 +288,7 @@
           <a:p>
             <a:fld id="{82443936-C36F-47D4-A4A5-3C19124E1B9C}" type="datetimeFigureOut">
               <a:rPr lang="en-GB" smtClean="0"/>
-              <a:t>25/06/2014</a:t>
+              <a:t>10/07/2014</a:t>
             </a:fld>
             <a:endParaRPr lang="en-GB"/>
           </a:p>
@@ -458,7 +458,7 @@
           <a:p>
             <a:fld id="{82443936-C36F-47D4-A4A5-3C19124E1B9C}" type="datetimeFigureOut">
               <a:rPr lang="en-GB" smtClean="0"/>
-              <a:t>25/06/2014</a:t>
+              <a:t>10/07/2014</a:t>
             </a:fld>
             <a:endParaRPr lang="en-GB"/>
           </a:p>
@@ -638,7 +638,7 @@
           <a:p>
             <a:fld id="{82443936-C36F-47D4-A4A5-3C19124E1B9C}" type="datetimeFigureOut">
               <a:rPr lang="en-GB" smtClean="0"/>
-              <a:t>25/06/2014</a:t>
+              <a:t>10/07/2014</a:t>
             </a:fld>
             <a:endParaRPr lang="en-GB"/>
           </a:p>
@@ -808,7 +808,7 @@
           <a:p>
             <a:fld id="{82443936-C36F-47D4-A4A5-3C19124E1B9C}" type="datetimeFigureOut">
               <a:rPr lang="en-GB" smtClean="0"/>
-              <a:t>25/06/2014</a:t>
+              <a:t>10/07/2014</a:t>
             </a:fld>
             <a:endParaRPr lang="en-GB"/>
           </a:p>
@@ -1054,7 +1054,7 @@
           <a:p>
             <a:fld id="{82443936-C36F-47D4-A4A5-3C19124E1B9C}" type="datetimeFigureOut">
               <a:rPr lang="en-GB" smtClean="0"/>
-              <a:t>25/06/2014</a:t>
+              <a:t>10/07/2014</a:t>
             </a:fld>
             <a:endParaRPr lang="en-GB"/>
           </a:p>
@@ -1342,7 +1342,7 @@
           <a:p>
             <a:fld id="{82443936-C36F-47D4-A4A5-3C19124E1B9C}" type="datetimeFigureOut">
               <a:rPr lang="en-GB" smtClean="0"/>
-              <a:t>25/06/2014</a:t>
+              <a:t>10/07/2014</a:t>
             </a:fld>
             <a:endParaRPr lang="en-GB"/>
           </a:p>
@@ -1769,7 +1769,7 @@
           <a:p>
             <a:fld id="{82443936-C36F-47D4-A4A5-3C19124E1B9C}" type="datetimeFigureOut">
               <a:rPr lang="en-GB" smtClean="0"/>
-              <a:t>25/06/2014</a:t>
+              <a:t>10/07/2014</a:t>
             </a:fld>
             <a:endParaRPr lang="en-GB"/>
           </a:p>
@@ -1887,7 +1887,7 @@
           <a:p>
             <a:fld id="{82443936-C36F-47D4-A4A5-3C19124E1B9C}" type="datetimeFigureOut">
               <a:rPr lang="en-GB" smtClean="0"/>
-              <a:t>25/06/2014</a:t>
+              <a:t>10/07/2014</a:t>
             </a:fld>
             <a:endParaRPr lang="en-GB"/>
           </a:p>
@@ -1982,7 +1982,7 @@
           <a:p>
             <a:fld id="{82443936-C36F-47D4-A4A5-3C19124E1B9C}" type="datetimeFigureOut">
               <a:rPr lang="en-GB" smtClean="0"/>
-              <a:t>25/06/2014</a:t>
+              <a:t>10/07/2014</a:t>
             </a:fld>
             <a:endParaRPr lang="en-GB"/>
           </a:p>
@@ -2259,7 +2259,7 @@
           <a:p>
             <a:fld id="{82443936-C36F-47D4-A4A5-3C19124E1B9C}" type="datetimeFigureOut">
               <a:rPr lang="en-GB" smtClean="0"/>
-              <a:t>25/06/2014</a:t>
+              <a:t>10/07/2014</a:t>
             </a:fld>
             <a:endParaRPr lang="en-GB"/>
           </a:p>
@@ -2512,7 +2512,7 @@
           <a:p>
             <a:fld id="{82443936-C36F-47D4-A4A5-3C19124E1B9C}" type="datetimeFigureOut">
               <a:rPr lang="en-GB" smtClean="0"/>
-              <a:t>25/06/2014</a:t>
+              <a:t>10/07/2014</a:t>
             </a:fld>
             <a:endParaRPr lang="en-GB"/>
           </a:p>
@@ -2725,7 +2725,7 @@
           <a:p>
             <a:fld id="{82443936-C36F-47D4-A4A5-3C19124E1B9C}" type="datetimeFigureOut">
               <a:rPr lang="en-GB" smtClean="0"/>
-              <a:t>25/06/2014</a:t>
+              <a:t>10/07/2014</a:t>
             </a:fld>
             <a:endParaRPr lang="en-GB"/>
           </a:p>
@@ -3313,6 +3313,82 @@
           </a:p>
         </p:txBody>
       </p:sp>
+      <p:cxnSp>
+        <p:nvCxnSpPr>
+          <p:cNvPr id="3" name="Straight Connector 2"/>
+          <p:cNvCxnSpPr/>
+          <p:nvPr/>
+        </p:nvCxnSpPr>
+        <p:spPr>
+          <a:xfrm>
+            <a:off x="2736528" y="5040932"/>
+            <a:ext cx="1584176" cy="288032"/>
+          </a:xfrm>
+          <a:prstGeom prst="line">
+            <a:avLst/>
+          </a:prstGeom>
+          <a:ln w="38100">
+            <a:solidFill>
+              <a:schemeClr val="bg1">
+                <a:lumMod val="75000"/>
+              </a:schemeClr>
+            </a:solidFill>
+            <a:prstDash val="sysDot"/>
+          </a:ln>
+        </p:spPr>
+        <p:style>
+          <a:lnRef idx="1">
+            <a:schemeClr val="accent1"/>
+          </a:lnRef>
+          <a:fillRef idx="0">
+            <a:schemeClr val="accent1"/>
+          </a:fillRef>
+          <a:effectRef idx="0">
+            <a:schemeClr val="accent1"/>
+          </a:effectRef>
+          <a:fontRef idx="minor">
+            <a:schemeClr val="tx1"/>
+          </a:fontRef>
+        </p:style>
+      </p:cxnSp>
+      <p:cxnSp>
+        <p:nvCxnSpPr>
+          <p:cNvPr id="10" name="Straight Connector 9"/>
+          <p:cNvCxnSpPr/>
+          <p:nvPr/>
+        </p:nvCxnSpPr>
+        <p:spPr>
+          <a:xfrm>
+            <a:off x="2736528" y="5875381"/>
+            <a:ext cx="1584176" cy="893743"/>
+          </a:xfrm>
+          <a:prstGeom prst="line">
+            <a:avLst/>
+          </a:prstGeom>
+          <a:ln w="38100">
+            <a:solidFill>
+              <a:schemeClr val="bg1">
+                <a:lumMod val="75000"/>
+              </a:schemeClr>
+            </a:solidFill>
+            <a:prstDash val="sysDot"/>
+          </a:ln>
+        </p:spPr>
+        <p:style>
+          <a:lnRef idx="1">
+            <a:schemeClr val="accent1"/>
+          </a:lnRef>
+          <a:fillRef idx="0">
+            <a:schemeClr val="accent1"/>
+          </a:fillRef>
+          <a:effectRef idx="0">
+            <a:schemeClr val="accent1"/>
+          </a:effectRef>
+          <a:fontRef idx="minor">
+            <a:schemeClr val="tx1"/>
+          </a:fontRef>
+        </p:style>
+      </p:cxnSp>
     </p:spTree>
     <p:extLst>
       <p:ext uri="{BB962C8B-B14F-4D97-AF65-F5344CB8AC3E}">
